--- a/keep/car_2&3.pptx
+++ b/keep/car_2&3.pptx
@@ -261,7 +261,7 @@
           <a:p>
             <a:fld id="{71104A09-EC52-4CAB-8431-0C97E02B5B45}" type="datetimeFigureOut">
               <a:rPr lang="en-IN" smtClean="0"/>
-              <a:t>02-08-2022</a:t>
+              <a:t>03-08-2022</a:t>
             </a:fld>
             <a:endParaRPr lang="en-IN"/>
           </a:p>
@@ -461,7 +461,7 @@
           <a:p>
             <a:fld id="{71104A09-EC52-4CAB-8431-0C97E02B5B45}" type="datetimeFigureOut">
               <a:rPr lang="en-IN" smtClean="0"/>
-              <a:t>02-08-2022</a:t>
+              <a:t>03-08-2022</a:t>
             </a:fld>
             <a:endParaRPr lang="en-IN"/>
           </a:p>
@@ -671,7 +671,7 @@
           <a:p>
             <a:fld id="{71104A09-EC52-4CAB-8431-0C97E02B5B45}" type="datetimeFigureOut">
               <a:rPr lang="en-IN" smtClean="0"/>
-              <a:t>02-08-2022</a:t>
+              <a:t>03-08-2022</a:t>
             </a:fld>
             <a:endParaRPr lang="en-IN"/>
           </a:p>
@@ -871,7 +871,7 @@
           <a:p>
             <a:fld id="{71104A09-EC52-4CAB-8431-0C97E02B5B45}" type="datetimeFigureOut">
               <a:rPr lang="en-IN" smtClean="0"/>
-              <a:t>02-08-2022</a:t>
+              <a:t>03-08-2022</a:t>
             </a:fld>
             <a:endParaRPr lang="en-IN"/>
           </a:p>
@@ -1147,7 +1147,7 @@
           <a:p>
             <a:fld id="{71104A09-EC52-4CAB-8431-0C97E02B5B45}" type="datetimeFigureOut">
               <a:rPr lang="en-IN" smtClean="0"/>
-              <a:t>02-08-2022</a:t>
+              <a:t>03-08-2022</a:t>
             </a:fld>
             <a:endParaRPr lang="en-IN"/>
           </a:p>
@@ -1415,7 +1415,7 @@
           <a:p>
             <a:fld id="{71104A09-EC52-4CAB-8431-0C97E02B5B45}" type="datetimeFigureOut">
               <a:rPr lang="en-IN" smtClean="0"/>
-              <a:t>02-08-2022</a:t>
+              <a:t>03-08-2022</a:t>
             </a:fld>
             <a:endParaRPr lang="en-IN"/>
           </a:p>
@@ -1830,7 +1830,7 @@
           <a:p>
             <a:fld id="{71104A09-EC52-4CAB-8431-0C97E02B5B45}" type="datetimeFigureOut">
               <a:rPr lang="en-IN" smtClean="0"/>
-              <a:t>02-08-2022</a:t>
+              <a:t>03-08-2022</a:t>
             </a:fld>
             <a:endParaRPr lang="en-IN"/>
           </a:p>
@@ -1972,7 +1972,7 @@
           <a:p>
             <a:fld id="{71104A09-EC52-4CAB-8431-0C97E02B5B45}" type="datetimeFigureOut">
               <a:rPr lang="en-IN" smtClean="0"/>
-              <a:t>02-08-2022</a:t>
+              <a:t>03-08-2022</a:t>
             </a:fld>
             <a:endParaRPr lang="en-IN"/>
           </a:p>
@@ -2085,7 +2085,7 @@
           <a:p>
             <a:fld id="{71104A09-EC52-4CAB-8431-0C97E02B5B45}" type="datetimeFigureOut">
               <a:rPr lang="en-IN" smtClean="0"/>
-              <a:t>02-08-2022</a:t>
+              <a:t>03-08-2022</a:t>
             </a:fld>
             <a:endParaRPr lang="en-IN"/>
           </a:p>
@@ -2398,7 +2398,7 @@
           <a:p>
             <a:fld id="{71104A09-EC52-4CAB-8431-0C97E02B5B45}" type="datetimeFigureOut">
               <a:rPr lang="en-IN" smtClean="0"/>
-              <a:t>02-08-2022</a:t>
+              <a:t>03-08-2022</a:t>
             </a:fld>
             <a:endParaRPr lang="en-IN"/>
           </a:p>
@@ -2687,7 +2687,7 @@
           <a:p>
             <a:fld id="{71104A09-EC52-4CAB-8431-0C97E02B5B45}" type="datetimeFigureOut">
               <a:rPr lang="en-IN" smtClean="0"/>
-              <a:t>02-08-2022</a:t>
+              <a:t>03-08-2022</a:t>
             </a:fld>
             <a:endParaRPr lang="en-IN"/>
           </a:p>
@@ -2930,7 +2930,7 @@
           <a:p>
             <a:fld id="{71104A09-EC52-4CAB-8431-0C97E02B5B45}" type="datetimeFigureOut">
               <a:rPr lang="en-IN" smtClean="0"/>
-              <a:t>02-08-2022</a:t>
+              <a:t>03-08-2022</a:t>
             </a:fld>
             <a:endParaRPr lang="en-IN"/>
           </a:p>
@@ -4188,7 +4188,7 @@
             <a:pPr algn="ctr"/>
             <a:r>
               <a:rPr lang="en-US" dirty="0"/>
-              <a:t>Motor 1</a:t>
+              <a:t>Wheel 1</a:t>
             </a:r>
             <a:endParaRPr lang="en-IN" dirty="0"/>
           </a:p>
@@ -4493,117 +4493,9 @@
             <a:pPr algn="ctr"/>
             <a:r>
               <a:rPr lang="en-US" dirty="0"/>
-              <a:t>Motor 2</a:t>
+              <a:t>Wheel 2</a:t>
             </a:r>
             <a:endParaRPr lang="en-IN" dirty="0"/>
-          </a:p>
-        </p:txBody>
-      </p:sp>
-      <p:sp>
-        <p:nvSpPr>
-          <p:cNvPr id="11" name="Minus Sign 10">
-            <a:extLst>
-              <a:ext uri="{FF2B5EF4-FFF2-40B4-BE49-F238E27FC236}">
-                <a16:creationId xmlns:a16="http://schemas.microsoft.com/office/drawing/2014/main" id="{0597DCDB-5F0C-4DE3-81C5-CBF7A1D88BFB}"/>
-              </a:ext>
-            </a:extLst>
-          </p:cNvPr>
-          <p:cNvSpPr/>
-          <p:nvPr/>
-        </p:nvSpPr>
-        <p:spPr>
-          <a:xfrm>
-            <a:off x="1984345" y="2104913"/>
-            <a:ext cx="462240" cy="191845"/>
-          </a:xfrm>
-          <a:prstGeom prst="mathMinus">
-            <a:avLst/>
-          </a:prstGeom>
-          <a:solidFill>
-            <a:schemeClr val="tx1"/>
-          </a:solidFill>
-          <a:ln>
-            <a:solidFill>
-              <a:schemeClr val="tx1"/>
-            </a:solidFill>
-          </a:ln>
-        </p:spPr>
-        <p:style>
-          <a:lnRef idx="2">
-            <a:schemeClr val="accent1">
-              <a:shade val="50000"/>
-            </a:schemeClr>
-          </a:lnRef>
-          <a:fillRef idx="1">
-            <a:schemeClr val="accent1"/>
-          </a:fillRef>
-          <a:effectRef idx="0">
-            <a:schemeClr val="accent1"/>
-          </a:effectRef>
-          <a:fontRef idx="minor">
-            <a:schemeClr val="lt1"/>
-          </a:fontRef>
-        </p:style>
-        <p:txBody>
-          <a:bodyPr rtlCol="0" anchor="ctr"/>
-          <a:lstStyle/>
-          <a:p>
-            <a:pPr algn="ctr"/>
-            <a:endParaRPr lang="en-IN" dirty="0"/>
-          </a:p>
-        </p:txBody>
-      </p:sp>
-      <p:sp>
-        <p:nvSpPr>
-          <p:cNvPr id="21" name="Minus Sign 20">
-            <a:extLst>
-              <a:ext uri="{FF2B5EF4-FFF2-40B4-BE49-F238E27FC236}">
-                <a16:creationId xmlns:a16="http://schemas.microsoft.com/office/drawing/2014/main" id="{DDCEA12C-71DA-4351-8AE8-AAE4EA7970B0}"/>
-              </a:ext>
-            </a:extLst>
-          </p:cNvPr>
-          <p:cNvSpPr/>
-          <p:nvPr/>
-        </p:nvSpPr>
-        <p:spPr>
-          <a:xfrm>
-            <a:off x="2959690" y="2104913"/>
-            <a:ext cx="462240" cy="191845"/>
-          </a:xfrm>
-          <a:prstGeom prst="mathMinus">
-            <a:avLst/>
-          </a:prstGeom>
-          <a:solidFill>
-            <a:schemeClr val="tx1"/>
-          </a:solidFill>
-          <a:ln>
-            <a:solidFill>
-              <a:schemeClr val="tx1"/>
-            </a:solidFill>
-          </a:ln>
-        </p:spPr>
-        <p:style>
-          <a:lnRef idx="2">
-            <a:schemeClr val="accent1">
-              <a:shade val="50000"/>
-            </a:schemeClr>
-          </a:lnRef>
-          <a:fillRef idx="1">
-            <a:schemeClr val="accent1"/>
-          </a:fillRef>
-          <a:effectRef idx="0">
-            <a:schemeClr val="accent1"/>
-          </a:effectRef>
-          <a:fontRef idx="minor">
-            <a:schemeClr val="lt1"/>
-          </a:fontRef>
-        </p:style>
-        <p:txBody>
-          <a:bodyPr rtlCol="0" anchor="ctr"/>
-          <a:lstStyle/>
-          <a:p>
-            <a:pPr algn="ctr"/>
-            <a:endParaRPr lang="en-IN"/>
           </a:p>
         </p:txBody>
       </p:sp>
@@ -5237,7 +5129,7 @@
         </p:nvSpPr>
         <p:spPr>
           <a:xfrm>
-            <a:off x="9306661" y="4879238"/>
+            <a:off x="2598827" y="6040956"/>
             <a:ext cx="462240" cy="191845"/>
           </a:xfrm>
           <a:prstGeom prst="mathMinus">
@@ -5558,7 +5450,7 @@
             <a:pPr algn="ctr"/>
             <a:r>
               <a:rPr lang="en-US" dirty="0"/>
-              <a:t>Motor 1</a:t>
+              <a:t>Wheel 1</a:t>
             </a:r>
             <a:endParaRPr lang="en-IN" dirty="0"/>
           </a:p>
@@ -5613,7 +5505,7 @@
             <a:pPr algn="ctr"/>
             <a:r>
               <a:rPr lang="en-US" dirty="0"/>
-              <a:t>Motor 2</a:t>
+              <a:t>Wheel 2</a:t>
             </a:r>
             <a:endParaRPr lang="en-IN" dirty="0"/>
           </a:p>
@@ -5633,7 +5525,7 @@
         </p:nvSpPr>
         <p:spPr>
           <a:xfrm>
-            <a:off x="517102" y="4801558"/>
+            <a:off x="8472232" y="4623480"/>
             <a:ext cx="495300" cy="495300"/>
           </a:xfrm>
           <a:prstGeom prst="mathPlus">
@@ -5689,7 +5581,7 @@
         </p:nvSpPr>
         <p:spPr>
           <a:xfrm>
-            <a:off x="1372653" y="4812763"/>
+            <a:off x="9327783" y="4634685"/>
             <a:ext cx="495300" cy="495300"/>
           </a:xfrm>
           <a:prstGeom prst="mathPlus">
@@ -5745,7 +5637,7 @@
         </p:nvSpPr>
         <p:spPr>
           <a:xfrm>
-            <a:off x="8550151" y="4879238"/>
+            <a:off x="1842317" y="6040956"/>
             <a:ext cx="462240" cy="191845"/>
           </a:xfrm>
           <a:prstGeom prst="mathMinus">
@@ -5836,6 +5728,118 @@
           <a:p>
             <a:pPr algn="ctr"/>
             <a:endParaRPr lang="en-IN" dirty="0"/>
+          </a:p>
+        </p:txBody>
+      </p:sp>
+      <p:sp>
+        <p:nvSpPr>
+          <p:cNvPr id="40" name="Plus Sign 39">
+            <a:extLst>
+              <a:ext uri="{FF2B5EF4-FFF2-40B4-BE49-F238E27FC236}">
+                <a16:creationId xmlns:a16="http://schemas.microsoft.com/office/drawing/2014/main" id="{F63D8AA2-D167-4880-AE85-F6C53213DBA0}"/>
+              </a:ext>
+            </a:extLst>
+          </p:cNvPr>
+          <p:cNvSpPr/>
+          <p:nvPr/>
+        </p:nvSpPr>
+        <p:spPr>
+          <a:xfrm>
+            <a:off x="1914657" y="2154163"/>
+            <a:ext cx="495300" cy="495300"/>
+          </a:xfrm>
+          <a:prstGeom prst="mathPlus">
+            <a:avLst>
+              <a:gd name="adj1" fmla="val 8905"/>
+            </a:avLst>
+          </a:prstGeom>
+          <a:solidFill>
+            <a:schemeClr val="tx1"/>
+          </a:solidFill>
+          <a:ln>
+            <a:solidFill>
+              <a:schemeClr val="tx1"/>
+            </a:solidFill>
+          </a:ln>
+        </p:spPr>
+        <p:style>
+          <a:lnRef idx="2">
+            <a:schemeClr val="accent1">
+              <a:shade val="50000"/>
+            </a:schemeClr>
+          </a:lnRef>
+          <a:fillRef idx="1">
+            <a:schemeClr val="accent1"/>
+          </a:fillRef>
+          <a:effectRef idx="0">
+            <a:schemeClr val="accent1"/>
+          </a:effectRef>
+          <a:fontRef idx="minor">
+            <a:schemeClr val="lt1"/>
+          </a:fontRef>
+        </p:style>
+        <p:txBody>
+          <a:bodyPr rtlCol="0" anchor="ctr"/>
+          <a:lstStyle/>
+          <a:p>
+            <a:pPr algn="ctr"/>
+            <a:endParaRPr lang="en-IN"/>
+          </a:p>
+        </p:txBody>
+      </p:sp>
+      <p:sp>
+        <p:nvSpPr>
+          <p:cNvPr id="41" name="Plus Sign 40">
+            <a:extLst>
+              <a:ext uri="{FF2B5EF4-FFF2-40B4-BE49-F238E27FC236}">
+                <a16:creationId xmlns:a16="http://schemas.microsoft.com/office/drawing/2014/main" id="{12024785-686C-4060-805D-E771EAC5D793}"/>
+              </a:ext>
+            </a:extLst>
+          </p:cNvPr>
+          <p:cNvSpPr/>
+          <p:nvPr/>
+        </p:nvSpPr>
+        <p:spPr>
+          <a:xfrm>
+            <a:off x="2965437" y="2171702"/>
+            <a:ext cx="495300" cy="495300"/>
+          </a:xfrm>
+          <a:prstGeom prst="mathPlus">
+            <a:avLst>
+              <a:gd name="adj1" fmla="val 8905"/>
+            </a:avLst>
+          </a:prstGeom>
+          <a:solidFill>
+            <a:schemeClr val="tx1"/>
+          </a:solidFill>
+          <a:ln>
+            <a:solidFill>
+              <a:schemeClr val="tx1"/>
+            </a:solidFill>
+          </a:ln>
+        </p:spPr>
+        <p:style>
+          <a:lnRef idx="2">
+            <a:schemeClr val="accent1">
+              <a:shade val="50000"/>
+            </a:schemeClr>
+          </a:lnRef>
+          <a:fillRef idx="1">
+            <a:schemeClr val="accent1"/>
+          </a:fillRef>
+          <a:effectRef idx="0">
+            <a:schemeClr val="accent1"/>
+          </a:effectRef>
+          <a:fontRef idx="minor">
+            <a:schemeClr val="lt1"/>
+          </a:fontRef>
+        </p:style>
+        <p:txBody>
+          <a:bodyPr rtlCol="0" anchor="ctr"/>
+          <a:lstStyle/>
+          <a:p>
+            <a:pPr algn="ctr"/>
+            <a:endParaRPr lang="en-IN"/>
           </a:p>
         </p:txBody>
       </p:sp>
